--- a/EmergencyCall_presentation.pptx
+++ b/EmergencyCall_presentation.pptx
@@ -7,12 +7,17 @@
     <p:sldMasterId id="2147483667" r:id="rId3"/>
   </p:sldMasterIdLst>
   <p:notesMasterIdLst>
-    <p:notesMasterId r:id="rId7"/>
+    <p:notesMasterId r:id="rId12"/>
   </p:notesMasterIdLst>
   <p:sldIdLst>
     <p:sldId id="256" r:id="rId4"/>
     <p:sldId id="257" r:id="rId5"/>
     <p:sldId id="258" r:id="rId6"/>
+    <p:sldId id="259" r:id="rId7"/>
+    <p:sldId id="260" r:id="rId8"/>
+    <p:sldId id="261" r:id="rId9"/>
+    <p:sldId id="262" r:id="rId10"/>
+    <p:sldId id="263" r:id="rId11"/>
   </p:sldIdLst>
   <p:sldSz cx="9144000" cy="6858000" type="screen4x3"/>
   <p:notesSz cx="6858000" cy="9144000"/>
@@ -263,7 +268,7 @@
               <a:pPr>
                 <a:defRPr/>
               </a:pPr>
-              <a:t>23.01.17</a:t>
+              <a:t>24.01.17</a:t>
             </a:fld>
             <a:endParaRPr lang="de-DE"/>
           </a:p>
@@ -1250,7 +1255,7 @@
               <a:pPr>
                 <a:defRPr/>
               </a:pPr>
-              <a:t>23.01.17</a:t>
+              <a:t>24.01.17</a:t>
             </a:fld>
             <a:endParaRPr lang="de-AT" dirty="0"/>
           </a:p>
@@ -1611,7 +1616,7 @@
               <a:pPr>
                 <a:defRPr/>
               </a:pPr>
-              <a:t>23.01.17</a:t>
+              <a:t>24.01.17</a:t>
             </a:fld>
             <a:endParaRPr lang="de-DE" dirty="0"/>
           </a:p>
@@ -1869,7 +1874,7 @@
               <a:pPr>
                 <a:defRPr/>
               </a:pPr>
-              <a:t>23.01.17</a:t>
+              <a:t>24.01.17</a:t>
             </a:fld>
             <a:endParaRPr lang="de-AT" dirty="0"/>
           </a:p>
@@ -2230,7 +2235,7 @@
               <a:pPr>
                 <a:defRPr/>
               </a:pPr>
-              <a:t>23.01.17</a:t>
+              <a:t>24.01.17</a:t>
             </a:fld>
             <a:endParaRPr lang="de-DE" dirty="0"/>
           </a:p>
@@ -3483,7 +3488,7 @@
               <a:pPr>
                 <a:defRPr/>
               </a:pPr>
-              <a:t>23.01.17</a:t>
+              <a:t>24.01.17</a:t>
             </a:fld>
             <a:endParaRPr lang="de-DE"/>
           </a:p>
@@ -4370,7 +4375,7 @@
               <a:pPr>
                 <a:defRPr/>
               </a:pPr>
-              <a:t>23.01.17</a:t>
+              <a:t>24.01.17</a:t>
             </a:fld>
             <a:endParaRPr lang="de-DE"/>
           </a:p>
@@ -5256,6 +5261,259 @@
           </a:p>
         </p:txBody>
       </p:sp>
+      <p:sp>
+        <p:nvSpPr>
+          <p:cNvPr id="4" name="Untertitel 2"/>
+          <p:cNvSpPr txBox="1">
+            <a:spLocks/>
+          </p:cNvSpPr>
+          <p:nvPr/>
+        </p:nvSpPr>
+        <p:spPr bwMode="auto">
+          <a:xfrm>
+            <a:off x="35496" y="5445224"/>
+            <a:ext cx="5040560" cy="1368152"/>
+          </a:xfrm>
+          <a:prstGeom prst="rect">
+            <a:avLst/>
+          </a:prstGeom>
+          <a:noFill/>
+          <a:extLst>
+            <a:ext uri="{909E8E84-426E-40DD-AFC4-6F175D3DCCD1}">
+              <a14:hiddenFill xmlns:a14="http://schemas.microsoft.com/office/drawing/2010/main">
+                <a:solidFill>
+                  <a:srgbClr val="FFFFFF"/>
+                </a:solidFill>
+              </a14:hiddenFill>
+            </a:ext>
+            <a:ext uri="{91240B29-F687-4F45-9708-019B960494DF}">
+              <a14:hiddenLine xmlns:a14="http://schemas.microsoft.com/office/drawing/2010/main" w="9525">
+                <a:solidFill>
+                  <a:srgbClr val="000000"/>
+                </a:solidFill>
+                <a:miter lim="800000"/>
+                <a:headEnd/>
+                <a:tailEnd/>
+              </a14:hiddenLine>
+            </a:ext>
+            <a:ext uri="{FAA26D3D-D897-4be2-8F04-BA451C77F1D7}">
+              <ma14:placeholderFlag xmlns:ma14="http://schemas.microsoft.com/office/mac/drawingml/2011/main" val="1"/>
+            </a:ext>
+          </a:extLst>
+        </p:spPr>
+        <p:txBody>
+          <a:bodyPr vert="horz" wrap="square" lIns="91440" tIns="45720" rIns="91440" bIns="45720" numCol="1" anchor="t" anchorCtr="0" compatLnSpc="1">
+            <a:prstTxWarp prst="textNoShape">
+              <a:avLst/>
+            </a:prstTxWarp>
+          </a:bodyPr>
+          <a:lstStyle>
+            <a:lvl1pPr marL="0" indent="0" algn="l" rtl="0" eaLnBrk="1" fontAlgn="base" hangingPunct="1">
+              <a:spcBef>
+                <a:spcPct val="20000"/>
+              </a:spcBef>
+              <a:spcAft>
+                <a:spcPct val="0"/>
+              </a:spcAft>
+              <a:buFont typeface="Arial" charset="0"/>
+              <a:buNone/>
+              <a:defRPr sz="2000" b="0" kern="1200" baseline="0">
+                <a:solidFill>
+                  <a:schemeClr val="bg1"/>
+                </a:solidFill>
+                <a:latin typeface="Arial" pitchFamily="34" charset="0"/>
+                <a:ea typeface="+mn-ea"/>
+                <a:cs typeface="Arial" pitchFamily="34" charset="0"/>
+              </a:defRPr>
+            </a:lvl1pPr>
+            <a:lvl2pPr marL="457200" indent="0" algn="ctr" rtl="0" eaLnBrk="1" fontAlgn="base" hangingPunct="1">
+              <a:spcBef>
+                <a:spcPct val="20000"/>
+              </a:spcBef>
+              <a:spcAft>
+                <a:spcPct val="0"/>
+              </a:spcAft>
+              <a:buFont typeface="Arial" charset="0"/>
+              <a:buNone/>
+              <a:defRPr sz="2800" kern="1200">
+                <a:solidFill>
+                  <a:schemeClr val="tx1">
+                    <a:tint val="75000"/>
+                  </a:schemeClr>
+                </a:solidFill>
+                <a:latin typeface="+mn-lt"/>
+                <a:ea typeface="+mn-ea"/>
+                <a:cs typeface="+mn-cs"/>
+              </a:defRPr>
+            </a:lvl2pPr>
+            <a:lvl3pPr marL="914400" indent="0" algn="ctr" rtl="0" eaLnBrk="1" fontAlgn="base" hangingPunct="1">
+              <a:spcBef>
+                <a:spcPct val="20000"/>
+              </a:spcBef>
+              <a:spcAft>
+                <a:spcPct val="0"/>
+              </a:spcAft>
+              <a:buFont typeface="Arial" charset="0"/>
+              <a:buNone/>
+              <a:defRPr sz="2400" kern="1200">
+                <a:solidFill>
+                  <a:schemeClr val="tx1">
+                    <a:tint val="75000"/>
+                  </a:schemeClr>
+                </a:solidFill>
+                <a:latin typeface="+mn-lt"/>
+                <a:ea typeface="+mn-ea"/>
+                <a:cs typeface="+mn-cs"/>
+              </a:defRPr>
+            </a:lvl3pPr>
+            <a:lvl4pPr marL="1371600" indent="0" algn="ctr" rtl="0" eaLnBrk="1" fontAlgn="base" hangingPunct="1">
+              <a:spcBef>
+                <a:spcPct val="20000"/>
+              </a:spcBef>
+              <a:spcAft>
+                <a:spcPct val="0"/>
+              </a:spcAft>
+              <a:buFont typeface="Arial" charset="0"/>
+              <a:buNone/>
+              <a:defRPr sz="2000" kern="1200">
+                <a:solidFill>
+                  <a:schemeClr val="tx1">
+                    <a:tint val="75000"/>
+                  </a:schemeClr>
+                </a:solidFill>
+                <a:latin typeface="+mn-lt"/>
+                <a:ea typeface="+mn-ea"/>
+                <a:cs typeface="+mn-cs"/>
+              </a:defRPr>
+            </a:lvl4pPr>
+            <a:lvl5pPr marL="1828800" indent="0" algn="ctr" rtl="0" eaLnBrk="1" fontAlgn="base" hangingPunct="1">
+              <a:spcBef>
+                <a:spcPct val="20000"/>
+              </a:spcBef>
+              <a:spcAft>
+                <a:spcPct val="0"/>
+              </a:spcAft>
+              <a:buFont typeface="Arial" charset="0"/>
+              <a:buNone/>
+              <a:defRPr sz="2000" kern="1200">
+                <a:solidFill>
+                  <a:schemeClr val="tx1">
+                    <a:tint val="75000"/>
+                  </a:schemeClr>
+                </a:solidFill>
+                <a:latin typeface="+mn-lt"/>
+                <a:ea typeface="+mn-ea"/>
+                <a:cs typeface="+mn-cs"/>
+              </a:defRPr>
+            </a:lvl5pPr>
+            <a:lvl6pPr marL="2286000" indent="0" algn="ctr" defTabSz="914400" rtl="0" eaLnBrk="1" latinLnBrk="0" hangingPunct="1">
+              <a:spcBef>
+                <a:spcPct val="20000"/>
+              </a:spcBef>
+              <a:buFont typeface="Arial" pitchFamily="34" charset="0"/>
+              <a:buNone/>
+              <a:defRPr sz="2000" kern="1200">
+                <a:solidFill>
+                  <a:schemeClr val="tx1">
+                    <a:tint val="75000"/>
+                  </a:schemeClr>
+                </a:solidFill>
+                <a:latin typeface="+mn-lt"/>
+                <a:ea typeface="+mn-ea"/>
+                <a:cs typeface="+mn-cs"/>
+              </a:defRPr>
+            </a:lvl6pPr>
+            <a:lvl7pPr marL="2743200" indent="0" algn="ctr" defTabSz="914400" rtl="0" eaLnBrk="1" latinLnBrk="0" hangingPunct="1">
+              <a:spcBef>
+                <a:spcPct val="20000"/>
+              </a:spcBef>
+              <a:buFont typeface="Arial" pitchFamily="34" charset="0"/>
+              <a:buNone/>
+              <a:defRPr sz="2000" kern="1200">
+                <a:solidFill>
+                  <a:schemeClr val="tx1">
+                    <a:tint val="75000"/>
+                  </a:schemeClr>
+                </a:solidFill>
+                <a:latin typeface="+mn-lt"/>
+                <a:ea typeface="+mn-ea"/>
+                <a:cs typeface="+mn-cs"/>
+              </a:defRPr>
+            </a:lvl7pPr>
+            <a:lvl8pPr marL="3200400" indent="0" algn="ctr" defTabSz="914400" rtl="0" eaLnBrk="1" latinLnBrk="0" hangingPunct="1">
+              <a:spcBef>
+                <a:spcPct val="20000"/>
+              </a:spcBef>
+              <a:buFont typeface="Arial" pitchFamily="34" charset="0"/>
+              <a:buNone/>
+              <a:defRPr sz="2000" kern="1200">
+                <a:solidFill>
+                  <a:schemeClr val="tx1">
+                    <a:tint val="75000"/>
+                  </a:schemeClr>
+                </a:solidFill>
+                <a:latin typeface="+mn-lt"/>
+                <a:ea typeface="+mn-ea"/>
+                <a:cs typeface="+mn-cs"/>
+              </a:defRPr>
+            </a:lvl8pPr>
+            <a:lvl9pPr marL="3657600" indent="0" algn="ctr" defTabSz="914400" rtl="0" eaLnBrk="1" latinLnBrk="0" hangingPunct="1">
+              <a:spcBef>
+                <a:spcPct val="20000"/>
+              </a:spcBef>
+              <a:buFont typeface="Arial" pitchFamily="34" charset="0"/>
+              <a:buNone/>
+              <a:defRPr sz="2000" kern="1200">
+                <a:solidFill>
+                  <a:schemeClr val="tx1">
+                    <a:tint val="75000"/>
+                  </a:schemeClr>
+                </a:solidFill>
+                <a:latin typeface="+mn-lt"/>
+                <a:ea typeface="+mn-ea"/>
+                <a:cs typeface="+mn-cs"/>
+              </a:defRPr>
+            </a:lvl9pPr>
+          </a:lstStyle>
+          <a:p>
+            <a:r>
+              <a:rPr lang="en-US" dirty="0" smtClean="0"/>
+              <a:t>Fanny Anna </a:t>
+            </a:r>
+            <a:r>
+              <a:rPr lang="en-US" dirty="0" err="1" smtClean="0"/>
+              <a:t>Andersson</a:t>
+            </a:r>
+            <a:endParaRPr lang="en-US" dirty="0" smtClean="0"/>
+          </a:p>
+          <a:p>
+            <a:r>
+              <a:rPr lang="en-US" dirty="0" smtClean="0"/>
+              <a:t>David </a:t>
+            </a:r>
+            <a:r>
+              <a:rPr lang="en-US" dirty="0" err="1" smtClean="0"/>
+              <a:t>Zafirovski</a:t>
+            </a:r>
+            <a:endParaRPr lang="en-US" dirty="0" smtClean="0"/>
+          </a:p>
+          <a:p>
+            <a:r>
+              <a:rPr lang="en-US" dirty="0" err="1" smtClean="0"/>
+              <a:t>Edon</a:t>
+            </a:r>
+            <a:r>
+              <a:rPr lang="en-US" dirty="0" smtClean="0"/>
+              <a:t> </a:t>
+            </a:r>
+            <a:r>
+              <a:rPr lang="en-US" dirty="0" err="1" smtClean="0"/>
+              <a:t>Jakupi</a:t>
+            </a:r>
+            <a:endParaRPr lang="en-US" dirty="0"/>
+          </a:p>
+        </p:txBody>
+      </p:sp>
     </p:spTree>
   </p:cSld>
   <p:clrMapOvr>
@@ -5334,7 +5592,45 @@
           <a:bodyPr/>
           <a:lstStyle/>
           <a:p>
-            <a:endParaRPr lang="en-US"/>
+            <a:pPr>
+              <a:buFont typeface="Arial" charset="0"/>
+              <a:buChar char="•"/>
+            </a:pPr>
+            <a:r>
+              <a:rPr lang="en-US" dirty="0" smtClean="0"/>
+              <a:t>Task description</a:t>
+            </a:r>
+          </a:p>
+          <a:p>
+            <a:pPr>
+              <a:buFont typeface="Arial" charset="0"/>
+              <a:buChar char="•"/>
+            </a:pPr>
+            <a:r>
+              <a:rPr lang="en-US" dirty="0" smtClean="0"/>
+              <a:t>Technology used</a:t>
+            </a:r>
+          </a:p>
+          <a:p>
+            <a:pPr>
+              <a:buFont typeface="Arial" charset="0"/>
+              <a:buChar char="•"/>
+            </a:pPr>
+            <a:r>
+              <a:rPr lang="en-US" dirty="0" smtClean="0"/>
+              <a:t>Problem solution</a:t>
+            </a:r>
+          </a:p>
+          <a:p>
+            <a:pPr>
+              <a:buFont typeface="Arial" charset="0"/>
+              <a:buChar char="•"/>
+            </a:pPr>
+            <a:r>
+              <a:rPr lang="en-US" dirty="0" smtClean="0"/>
+              <a:t>Conclusion </a:t>
+            </a:r>
+            <a:endParaRPr lang="en-US" dirty="0"/>
           </a:p>
         </p:txBody>
       </p:sp>
@@ -5390,7 +5686,283 @@
           <a:bodyPr/>
           <a:lstStyle/>
           <a:p>
-            <a:endParaRPr lang="en-US"/>
+            <a:r>
+              <a:rPr lang="en-US" dirty="0" smtClean="0"/>
+              <a:t>Task description</a:t>
+            </a:r>
+            <a:endParaRPr lang="en-US" dirty="0"/>
+          </a:p>
+        </p:txBody>
+      </p:sp>
+      <p:sp>
+        <p:nvSpPr>
+          <p:cNvPr id="3" name="Content Placeholder 2"/>
+          <p:cNvSpPr>
+            <a:spLocks noGrp="1"/>
+          </p:cNvSpPr>
+          <p:nvPr>
+            <p:ph sz="half" idx="1"/>
+          </p:nvPr>
+        </p:nvSpPr>
+        <p:spPr>
+          <a:xfrm>
+            <a:off x="857224" y="2571744"/>
+            <a:ext cx="4938912" cy="3554419"/>
+          </a:xfrm>
+        </p:spPr>
+        <p:txBody>
+          <a:bodyPr/>
+          <a:lstStyle/>
+          <a:p>
+            <a:r>
+              <a:rPr lang="en-US" dirty="0" smtClean="0"/>
+              <a:t>Call received every 50 min</a:t>
+            </a:r>
+          </a:p>
+          <a:p>
+            <a:endParaRPr lang="en-US" dirty="0"/>
+          </a:p>
+          <a:p>
+            <a:r>
+              <a:rPr lang="en-US" dirty="0" smtClean="0"/>
+              <a:t>Normal patients and life-threatening patients</a:t>
+            </a:r>
+          </a:p>
+          <a:p>
+            <a:endParaRPr lang="en-US" dirty="0" smtClean="0"/>
+          </a:p>
+          <a:p>
+            <a:r>
+              <a:rPr lang="en-US" dirty="0" smtClean="0"/>
+              <a:t>Calls are collected in queue</a:t>
+            </a:r>
+          </a:p>
+          <a:p>
+            <a:endParaRPr lang="en-US" dirty="0" smtClean="0"/>
+          </a:p>
+          <a:p>
+            <a:r>
+              <a:rPr lang="en-US" dirty="0" smtClean="0"/>
+              <a:t>Doctor receives the address of the patient and treats him</a:t>
+            </a:r>
+          </a:p>
+          <a:p>
+            <a:endParaRPr lang="en-US" dirty="0" smtClean="0"/>
+          </a:p>
+          <a:p>
+            <a:endParaRPr lang="en-US" dirty="0"/>
+          </a:p>
+        </p:txBody>
+      </p:sp>
+      <p:pic>
+        <p:nvPicPr>
+          <p:cNvPr id="5" name="Content Placeholder 4"/>
+          <p:cNvPicPr>
+            <a:picLocks noGrp="1" noChangeAspect="1"/>
+          </p:cNvPicPr>
+          <p:nvPr>
+            <p:ph sz="half" idx="2"/>
+          </p:nvPr>
+        </p:nvPicPr>
+        <p:blipFill>
+          <a:blip r:embed="rId2">
+            <a:extLst>
+              <a:ext uri="{28A0092B-C50C-407E-A947-70E740481C1C}">
+                <a14:useLocalDpi xmlns:a14="http://schemas.microsoft.com/office/drawing/2010/main" val="0"/>
+              </a:ext>
+            </a:extLst>
+          </a:blip>
+          <a:stretch>
+            <a:fillRect/>
+          </a:stretch>
+        </p:blipFill>
+        <p:spPr>
+          <a:xfrm>
+            <a:off x="5364088" y="2852936"/>
+            <a:ext cx="3500437" cy="2466500"/>
+          </a:xfrm>
+        </p:spPr>
+      </p:pic>
+    </p:spTree>
+    <p:extLst>
+      <p:ext uri="{BB962C8B-B14F-4D97-AF65-F5344CB8AC3E}">
+        <p14:creationId xmlns:p14="http://schemas.microsoft.com/office/powerpoint/2010/main" val="123454456"/>
+      </p:ext>
+    </p:extLst>
+  </p:cSld>
+  <p:clrMapOvr>
+    <a:masterClrMapping/>
+  </p:clrMapOvr>
+</p:sld>
+</file>
+
+<file path=ppt/slides/slide4.xml><?xml version="1.0" encoding="utf-8"?>
+<p:sld xmlns:a="http://schemas.openxmlformats.org/drawingml/2006/main" xmlns:r="http://schemas.openxmlformats.org/officeDocument/2006/relationships" xmlns:p="http://schemas.openxmlformats.org/presentationml/2006/main">
+  <p:cSld>
+    <p:spTree>
+      <p:nvGrpSpPr>
+        <p:cNvPr id="1" name=""/>
+        <p:cNvGrpSpPr/>
+        <p:nvPr/>
+      </p:nvGrpSpPr>
+      <p:grpSpPr>
+        <a:xfrm>
+          <a:off x="0" y="0"/>
+          <a:ext cx="0" cy="0"/>
+          <a:chOff x="0" y="0"/>
+          <a:chExt cx="0" cy="0"/>
+        </a:xfrm>
+      </p:grpSpPr>
+      <p:sp>
+        <p:nvSpPr>
+          <p:cNvPr id="2" name="Title 1"/>
+          <p:cNvSpPr>
+            <a:spLocks noGrp="1"/>
+          </p:cNvSpPr>
+          <p:nvPr>
+            <p:ph type="title"/>
+          </p:nvPr>
+        </p:nvSpPr>
+        <p:spPr/>
+        <p:txBody>
+          <a:bodyPr/>
+          <a:lstStyle/>
+          <a:p>
+            <a:r>
+              <a:rPr lang="en-US" dirty="0" smtClean="0"/>
+              <a:t>Technology used</a:t>
+            </a:r>
+            <a:endParaRPr lang="en-US" dirty="0"/>
+          </a:p>
+        </p:txBody>
+      </p:sp>
+      <p:sp>
+        <p:nvSpPr>
+          <p:cNvPr id="3" name="Content Placeholder 2"/>
+          <p:cNvSpPr>
+            <a:spLocks noGrp="1"/>
+          </p:cNvSpPr>
+          <p:nvPr>
+            <p:ph sz="half" idx="1"/>
+          </p:nvPr>
+        </p:nvSpPr>
+        <p:spPr>
+          <a:xfrm>
+            <a:off x="323528" y="2460312"/>
+            <a:ext cx="7429553" cy="2873479"/>
+          </a:xfrm>
+        </p:spPr>
+        <p:txBody>
+          <a:bodyPr/>
+          <a:lstStyle/>
+          <a:p>
+            <a:r>
+              <a:rPr lang="en-US" dirty="0" smtClean="0"/>
+              <a:t>Simulation tool that supports:</a:t>
+            </a:r>
+          </a:p>
+          <a:p>
+            <a:pPr lvl="1"/>
+            <a:r>
+              <a:rPr lang="en-US" dirty="0" smtClean="0"/>
+              <a:t>System Dynamics</a:t>
+            </a:r>
+          </a:p>
+          <a:p>
+            <a:pPr lvl="1"/>
+            <a:r>
+              <a:rPr lang="en-US" dirty="0" smtClean="0"/>
+              <a:t>Discrete Events</a:t>
+            </a:r>
+          </a:p>
+          <a:p>
+            <a:pPr lvl="1"/>
+            <a:r>
+              <a:rPr lang="en-US" dirty="0" smtClean="0"/>
+              <a:t>Agent-Based</a:t>
+            </a:r>
+          </a:p>
+        </p:txBody>
+      </p:sp>
+      <p:pic>
+        <p:nvPicPr>
+          <p:cNvPr id="5" name="Content Placeholder 4"/>
+          <p:cNvPicPr>
+            <a:picLocks noGrp="1" noChangeAspect="1"/>
+          </p:cNvPicPr>
+          <p:nvPr>
+            <p:ph sz="half" idx="2"/>
+          </p:nvPr>
+        </p:nvPicPr>
+        <p:blipFill>
+          <a:blip r:embed="rId2">
+            <a:extLst>
+              <a:ext uri="{28A0092B-C50C-407E-A947-70E740481C1C}">
+                <a14:useLocalDpi xmlns:a14="http://schemas.microsoft.com/office/drawing/2010/main" val="0"/>
+              </a:ext>
+            </a:extLst>
+          </a:blip>
+          <a:stretch>
+            <a:fillRect/>
+          </a:stretch>
+        </p:blipFill>
+        <p:spPr>
+          <a:xfrm>
+            <a:off x="4591188" y="3140968"/>
+            <a:ext cx="3481250" cy="1512168"/>
+          </a:xfrm>
+        </p:spPr>
+      </p:pic>
+    </p:spTree>
+    <p:extLst>
+      <p:ext uri="{BB962C8B-B14F-4D97-AF65-F5344CB8AC3E}">
+        <p14:creationId xmlns:p14="http://schemas.microsoft.com/office/powerpoint/2010/main" val="249356530"/>
+      </p:ext>
+    </p:extLst>
+  </p:cSld>
+  <p:clrMapOvr>
+    <a:masterClrMapping/>
+  </p:clrMapOvr>
+</p:sld>
+</file>
+
+<file path=ppt/slides/slide5.xml><?xml version="1.0" encoding="utf-8"?>
+<p:sld xmlns:a="http://schemas.openxmlformats.org/drawingml/2006/main" xmlns:r="http://schemas.openxmlformats.org/officeDocument/2006/relationships" xmlns:p="http://schemas.openxmlformats.org/presentationml/2006/main">
+  <p:cSld>
+    <p:spTree>
+      <p:nvGrpSpPr>
+        <p:cNvPr id="1" name=""/>
+        <p:cNvGrpSpPr/>
+        <p:nvPr/>
+      </p:nvGrpSpPr>
+      <p:grpSpPr>
+        <a:xfrm>
+          <a:off x="0" y="0"/>
+          <a:ext cx="0" cy="0"/>
+          <a:chOff x="0" y="0"/>
+          <a:chExt cx="0" cy="0"/>
+        </a:xfrm>
+      </p:grpSpPr>
+      <p:sp>
+        <p:nvSpPr>
+          <p:cNvPr id="2" name="Title 1"/>
+          <p:cNvSpPr>
+            <a:spLocks noGrp="1"/>
+          </p:cNvSpPr>
+          <p:nvPr>
+            <p:ph type="title"/>
+          </p:nvPr>
+        </p:nvSpPr>
+        <p:spPr/>
+        <p:txBody>
+          <a:bodyPr/>
+          <a:lstStyle/>
+          <a:p>
+            <a:r>
+              <a:rPr lang="en-US" dirty="0" smtClean="0"/>
+              <a:t>Technology used</a:t>
+            </a:r>
+            <a:endParaRPr lang="en-US" dirty="0"/>
           </a:p>
         </p:txBody>
       </p:sp>
@@ -5409,7 +5981,11 @@
           <a:bodyPr/>
           <a:lstStyle/>
           <a:p>
-            <a:endParaRPr lang="en-US"/>
+            <a:r>
+              <a:rPr lang="en-US" dirty="0" smtClean="0"/>
+              <a:t>Components USED!</a:t>
+            </a:r>
+            <a:endParaRPr lang="en-US" dirty="0"/>
           </a:p>
         </p:txBody>
       </p:sp>
@@ -5435,20 +6011,225 @@
     </p:spTree>
     <p:extLst>
       <p:ext uri="{BB962C8B-B14F-4D97-AF65-F5344CB8AC3E}">
-        <p14:creationId xmlns:p14="http://schemas.microsoft.com/office/powerpoint/2010/main" val="1364623855"/>
+        <p14:creationId xmlns:p14="http://schemas.microsoft.com/office/powerpoint/2010/main" val="1194604413"/>
       </p:ext>
     </p:extLst>
   </p:cSld>
   <p:clrMapOvr>
     <a:masterClrMapping/>
   </p:clrMapOvr>
-  <p:timing>
-    <p:tnLst>
-      <p:par>
-        <p:cTn id="1" dur="indefinite" restart="never" nodeType="tmRoot"/>
-      </p:par>
-    </p:tnLst>
-  </p:timing>
+</p:sld>
+</file>
+
+<file path=ppt/slides/slide6.xml><?xml version="1.0" encoding="utf-8"?>
+<p:sld xmlns:a="http://schemas.openxmlformats.org/drawingml/2006/main" xmlns:r="http://schemas.openxmlformats.org/officeDocument/2006/relationships" xmlns:p="http://schemas.openxmlformats.org/presentationml/2006/main">
+  <p:cSld>
+    <p:spTree>
+      <p:nvGrpSpPr>
+        <p:cNvPr id="1" name=""/>
+        <p:cNvGrpSpPr/>
+        <p:nvPr/>
+      </p:nvGrpSpPr>
+      <p:grpSpPr>
+        <a:xfrm>
+          <a:off x="0" y="0"/>
+          <a:ext cx="0" cy="0"/>
+          <a:chOff x="0" y="0"/>
+          <a:chExt cx="0" cy="0"/>
+        </a:xfrm>
+      </p:grpSpPr>
+      <p:sp>
+        <p:nvSpPr>
+          <p:cNvPr id="2" name="Title 1"/>
+          <p:cNvSpPr>
+            <a:spLocks noGrp="1"/>
+          </p:cNvSpPr>
+          <p:nvPr>
+            <p:ph type="title"/>
+          </p:nvPr>
+        </p:nvSpPr>
+        <p:spPr/>
+        <p:txBody>
+          <a:bodyPr/>
+          <a:lstStyle/>
+          <a:p>
+            <a:r>
+              <a:rPr lang="en-US" dirty="0" smtClean="0"/>
+              <a:t>Problem solution</a:t>
+            </a:r>
+            <a:endParaRPr lang="en-US" dirty="0"/>
+          </a:p>
+        </p:txBody>
+      </p:sp>
+      <p:sp>
+        <p:nvSpPr>
+          <p:cNvPr id="3" name="Content Placeholder 2"/>
+          <p:cNvSpPr>
+            <a:spLocks noGrp="1"/>
+          </p:cNvSpPr>
+          <p:nvPr>
+            <p:ph idx="1"/>
+          </p:nvPr>
+        </p:nvSpPr>
+        <p:spPr/>
+        <p:txBody>
+          <a:bodyPr/>
+          <a:lstStyle/>
+          <a:p>
+            <a:endParaRPr lang="en-US"/>
+          </a:p>
+        </p:txBody>
+      </p:sp>
+    </p:spTree>
+    <p:extLst>
+      <p:ext uri="{BB962C8B-B14F-4D97-AF65-F5344CB8AC3E}">
+        <p14:creationId xmlns:p14="http://schemas.microsoft.com/office/powerpoint/2010/main" val="1515881671"/>
+      </p:ext>
+    </p:extLst>
+  </p:cSld>
+  <p:clrMapOvr>
+    <a:masterClrMapping/>
+  </p:clrMapOvr>
+</p:sld>
+</file>
+
+<file path=ppt/slides/slide7.xml><?xml version="1.0" encoding="utf-8"?>
+<p:sld xmlns:a="http://schemas.openxmlformats.org/drawingml/2006/main" xmlns:r="http://schemas.openxmlformats.org/officeDocument/2006/relationships" xmlns:p="http://schemas.openxmlformats.org/presentationml/2006/main">
+  <p:cSld>
+    <p:spTree>
+      <p:nvGrpSpPr>
+        <p:cNvPr id="1" name=""/>
+        <p:cNvGrpSpPr/>
+        <p:nvPr/>
+      </p:nvGrpSpPr>
+      <p:grpSpPr>
+        <a:xfrm>
+          <a:off x="0" y="0"/>
+          <a:ext cx="0" cy="0"/>
+          <a:chOff x="0" y="0"/>
+          <a:chExt cx="0" cy="0"/>
+        </a:xfrm>
+      </p:grpSpPr>
+      <p:sp>
+        <p:nvSpPr>
+          <p:cNvPr id="2" name="Title 1"/>
+          <p:cNvSpPr>
+            <a:spLocks noGrp="1"/>
+          </p:cNvSpPr>
+          <p:nvPr>
+            <p:ph type="title"/>
+          </p:nvPr>
+        </p:nvSpPr>
+        <p:spPr/>
+        <p:txBody>
+          <a:bodyPr/>
+          <a:lstStyle/>
+          <a:p>
+            <a:endParaRPr lang="en-US"/>
+          </a:p>
+        </p:txBody>
+      </p:sp>
+      <p:sp>
+        <p:nvSpPr>
+          <p:cNvPr id="3" name="Content Placeholder 2"/>
+          <p:cNvSpPr>
+            <a:spLocks noGrp="1"/>
+          </p:cNvSpPr>
+          <p:nvPr>
+            <p:ph idx="1"/>
+          </p:nvPr>
+        </p:nvSpPr>
+        <p:spPr/>
+        <p:txBody>
+          <a:bodyPr/>
+          <a:lstStyle/>
+          <a:p>
+            <a:endParaRPr lang="en-US"/>
+          </a:p>
+        </p:txBody>
+      </p:sp>
+    </p:spTree>
+    <p:extLst>
+      <p:ext uri="{BB962C8B-B14F-4D97-AF65-F5344CB8AC3E}">
+        <p14:creationId xmlns:p14="http://schemas.microsoft.com/office/powerpoint/2010/main" val="1739957997"/>
+      </p:ext>
+    </p:extLst>
+  </p:cSld>
+  <p:clrMapOvr>
+    <a:masterClrMapping/>
+  </p:clrMapOvr>
+</p:sld>
+</file>
+
+<file path=ppt/slides/slide8.xml><?xml version="1.0" encoding="utf-8"?>
+<p:sld xmlns:a="http://schemas.openxmlformats.org/drawingml/2006/main" xmlns:r="http://schemas.openxmlformats.org/officeDocument/2006/relationships" xmlns:p="http://schemas.openxmlformats.org/presentationml/2006/main">
+  <p:cSld>
+    <p:spTree>
+      <p:nvGrpSpPr>
+        <p:cNvPr id="1" name=""/>
+        <p:cNvGrpSpPr/>
+        <p:nvPr/>
+      </p:nvGrpSpPr>
+      <p:grpSpPr>
+        <a:xfrm>
+          <a:off x="0" y="0"/>
+          <a:ext cx="0" cy="0"/>
+          <a:chOff x="0" y="0"/>
+          <a:chExt cx="0" cy="0"/>
+        </a:xfrm>
+      </p:grpSpPr>
+      <p:sp>
+        <p:nvSpPr>
+          <p:cNvPr id="2" name="Title 1"/>
+          <p:cNvSpPr>
+            <a:spLocks noGrp="1"/>
+          </p:cNvSpPr>
+          <p:nvPr>
+            <p:ph type="title"/>
+          </p:nvPr>
+        </p:nvSpPr>
+        <p:spPr/>
+        <p:txBody>
+          <a:bodyPr/>
+          <a:lstStyle/>
+          <a:p>
+            <a:r>
+              <a:rPr lang="en-US" dirty="0" smtClean="0"/>
+              <a:t>Conclusion</a:t>
+            </a:r>
+            <a:endParaRPr lang="en-US" dirty="0"/>
+          </a:p>
+        </p:txBody>
+      </p:sp>
+      <p:sp>
+        <p:nvSpPr>
+          <p:cNvPr id="3" name="Content Placeholder 2"/>
+          <p:cNvSpPr>
+            <a:spLocks noGrp="1"/>
+          </p:cNvSpPr>
+          <p:nvPr>
+            <p:ph idx="1"/>
+          </p:nvPr>
+        </p:nvSpPr>
+        <p:spPr/>
+        <p:txBody>
+          <a:bodyPr/>
+          <a:lstStyle/>
+          <a:p>
+            <a:endParaRPr lang="en-US"/>
+          </a:p>
+        </p:txBody>
+      </p:sp>
+    </p:spTree>
+    <p:extLst>
+      <p:ext uri="{BB962C8B-B14F-4D97-AF65-F5344CB8AC3E}">
+        <p14:creationId xmlns:p14="http://schemas.microsoft.com/office/powerpoint/2010/main" val="1189234380"/>
+      </p:ext>
+    </p:extLst>
+  </p:cSld>
+  <p:clrMapOvr>
+    <a:masterClrMapping/>
+  </p:clrMapOvr>
 </p:sld>
 </file>
 

--- a/EmergencyCall_presentation.pptx
+++ b/EmergencyCall_presentation.pptx
@@ -5271,8 +5271,8 @@
         </p:nvSpPr>
         <p:spPr bwMode="auto">
           <a:xfrm>
-            <a:off x="35496" y="5445224"/>
-            <a:ext cx="5040560" cy="1368152"/>
+            <a:off x="251520" y="5445224"/>
+            <a:ext cx="3528392" cy="1368152"/>
           </a:xfrm>
           <a:prstGeom prst="rect">
             <a:avLst/>

--- a/EmergencyCall_presentation.pptx
+++ b/EmergencyCall_presentation.pptx
@@ -12,9 +12,9 @@
   <p:sldIdLst>
     <p:sldId id="256" r:id="rId4"/>
     <p:sldId id="257" r:id="rId5"/>
-    <p:sldId id="258" r:id="rId6"/>
-    <p:sldId id="259" r:id="rId7"/>
-    <p:sldId id="260" r:id="rId8"/>
+    <p:sldId id="259" r:id="rId6"/>
+    <p:sldId id="260" r:id="rId7"/>
+    <p:sldId id="258" r:id="rId8"/>
     <p:sldId id="261" r:id="rId9"/>
     <p:sldId id="262" r:id="rId10"/>
     <p:sldId id="263" r:id="rId11"/>
@@ -5597,8 +5597,12 @@
               <a:buChar char="•"/>
             </a:pPr>
             <a:r>
+              <a:rPr lang="en-US" dirty="0"/>
+              <a:t>Software </a:t>
+            </a:r>
+            <a:r>
               <a:rPr lang="en-US" dirty="0" smtClean="0"/>
-              <a:t>Task description</a:t>
+              <a:t>used</a:t>
             </a:r>
           </a:p>
           <a:p>
@@ -5608,7 +5612,7 @@
             </a:pPr>
             <a:r>
               <a:rPr lang="en-US" dirty="0" smtClean="0"/>
-              <a:t>Technology used</a:t>
+              <a:t>Task description</a:t>
             </a:r>
           </a:p>
           <a:p>
@@ -5618,8 +5622,9 @@
             </a:pPr>
             <a:r>
               <a:rPr lang="en-US" dirty="0" smtClean="0"/>
-              <a:t>Problem solution</a:t>
+              <a:t>Implementation</a:t>
             </a:r>
+            <a:endParaRPr lang="en-US" dirty="0" smtClean="0"/>
           </a:p>
           <a:p>
             <a:pPr>
@@ -5628,9 +5633,18 @@
             </a:pPr>
             <a:r>
               <a:rPr lang="en-US" dirty="0" smtClean="0"/>
-              <a:t>Conclusion </a:t>
+              <a:t>Statistics</a:t>
             </a:r>
-            <a:endParaRPr lang="en-US" dirty="0"/>
+          </a:p>
+          <a:p>
+            <a:pPr>
+              <a:buFont typeface="Arial" charset="0"/>
+              <a:buChar char="•"/>
+            </a:pPr>
+            <a:r>
+              <a:rPr lang="en-US" dirty="0" smtClean="0"/>
+              <a:t>Demo</a:t>
+            </a:r>
           </a:p>
         </p:txBody>
       </p:sp>
@@ -5688,148 +5702,6 @@
           <a:p>
             <a:r>
               <a:rPr lang="en-US" dirty="0" smtClean="0"/>
-              <a:t>Task description</a:t>
-            </a:r>
-            <a:endParaRPr lang="en-US" dirty="0"/>
-          </a:p>
-        </p:txBody>
-      </p:sp>
-      <p:sp>
-        <p:nvSpPr>
-          <p:cNvPr id="3" name="Content Placeholder 2"/>
-          <p:cNvSpPr>
-            <a:spLocks noGrp="1"/>
-          </p:cNvSpPr>
-          <p:nvPr>
-            <p:ph sz="half" idx="1"/>
-          </p:nvPr>
-        </p:nvSpPr>
-        <p:spPr>
-          <a:xfrm>
-            <a:off x="857224" y="2571744"/>
-            <a:ext cx="4938912" cy="3554419"/>
-          </a:xfrm>
-        </p:spPr>
-        <p:txBody>
-          <a:bodyPr/>
-          <a:lstStyle/>
-          <a:p>
-            <a:r>
-              <a:rPr lang="en-US" dirty="0" smtClean="0"/>
-              <a:t>Call received every 50 min</a:t>
-            </a:r>
-          </a:p>
-          <a:p>
-            <a:endParaRPr lang="en-US" dirty="0"/>
-          </a:p>
-          <a:p>
-            <a:r>
-              <a:rPr lang="en-US" dirty="0" smtClean="0"/>
-              <a:t>Normal patients and life-threatening patients</a:t>
-            </a:r>
-          </a:p>
-          <a:p>
-            <a:endParaRPr lang="en-US" dirty="0" smtClean="0"/>
-          </a:p>
-          <a:p>
-            <a:r>
-              <a:rPr lang="en-US" dirty="0" smtClean="0"/>
-              <a:t>Calls are collected in queue</a:t>
-            </a:r>
-          </a:p>
-          <a:p>
-            <a:endParaRPr lang="en-US" dirty="0" smtClean="0"/>
-          </a:p>
-          <a:p>
-            <a:r>
-              <a:rPr lang="en-US" dirty="0" smtClean="0"/>
-              <a:t>Doctor receives the address of the patient and treats him</a:t>
-            </a:r>
-          </a:p>
-          <a:p>
-            <a:endParaRPr lang="en-US" dirty="0" smtClean="0"/>
-          </a:p>
-          <a:p>
-            <a:endParaRPr lang="en-US" dirty="0"/>
-          </a:p>
-        </p:txBody>
-      </p:sp>
-      <p:pic>
-        <p:nvPicPr>
-          <p:cNvPr id="5" name="Content Placeholder 4"/>
-          <p:cNvPicPr>
-            <a:picLocks noGrp="1" noChangeAspect="1"/>
-          </p:cNvPicPr>
-          <p:nvPr>
-            <p:ph sz="half" idx="2"/>
-          </p:nvPr>
-        </p:nvPicPr>
-        <p:blipFill>
-          <a:blip r:embed="rId2">
-            <a:extLst>
-              <a:ext uri="{28A0092B-C50C-407E-A947-70E740481C1C}">
-                <a14:useLocalDpi xmlns:a14="http://schemas.microsoft.com/office/drawing/2010/main" val="0"/>
-              </a:ext>
-            </a:extLst>
-          </a:blip>
-          <a:stretch>
-            <a:fillRect/>
-          </a:stretch>
-        </p:blipFill>
-        <p:spPr>
-          <a:xfrm>
-            <a:off x="5364088" y="2852936"/>
-            <a:ext cx="3500437" cy="2466500"/>
-          </a:xfrm>
-        </p:spPr>
-      </p:pic>
-    </p:spTree>
-    <p:extLst>
-      <p:ext uri="{BB962C8B-B14F-4D97-AF65-F5344CB8AC3E}">
-        <p14:creationId xmlns:p14="http://schemas.microsoft.com/office/powerpoint/2010/main" val="123454456"/>
-      </p:ext>
-    </p:extLst>
-  </p:cSld>
-  <p:clrMapOvr>
-    <a:masterClrMapping/>
-  </p:clrMapOvr>
-</p:sld>
-</file>
-
-<file path=ppt/slides/slide4.xml><?xml version="1.0" encoding="utf-8"?>
-<p:sld xmlns:a="http://schemas.openxmlformats.org/drawingml/2006/main" xmlns:r="http://schemas.openxmlformats.org/officeDocument/2006/relationships" xmlns:p="http://schemas.openxmlformats.org/presentationml/2006/main">
-  <p:cSld>
-    <p:spTree>
-      <p:nvGrpSpPr>
-        <p:cNvPr id="1" name=""/>
-        <p:cNvGrpSpPr/>
-        <p:nvPr/>
-      </p:nvGrpSpPr>
-      <p:grpSpPr>
-        <a:xfrm>
-          <a:off x="0" y="0"/>
-          <a:ext cx="0" cy="0"/>
-          <a:chOff x="0" y="0"/>
-          <a:chExt cx="0" cy="0"/>
-        </a:xfrm>
-      </p:grpSpPr>
-      <p:sp>
-        <p:nvSpPr>
-          <p:cNvPr id="2" name="Title 1"/>
-          <p:cNvSpPr>
-            <a:spLocks noGrp="1"/>
-          </p:cNvSpPr>
-          <p:nvPr>
-            <p:ph type="title"/>
-          </p:nvPr>
-        </p:nvSpPr>
-        <p:spPr/>
-        <p:txBody>
-          <a:bodyPr/>
-          <a:lstStyle/>
-          <a:p>
-            <a:r>
-              <a:rPr lang="en-US" dirty="0" smtClean="0"/>
               <a:t>Technology used</a:t>
             </a:r>
             <a:endParaRPr lang="en-US" dirty="0"/>
@@ -5923,6 +5795,115 @@
   <p:clrMapOvr>
     <a:masterClrMapping/>
   </p:clrMapOvr>
+  <p:timing>
+    <p:tnLst>
+      <p:par>
+        <p:cTn id="1" dur="indefinite" restart="never" nodeType="tmRoot"/>
+      </p:par>
+    </p:tnLst>
+  </p:timing>
+</p:sld>
+</file>
+
+<file path=ppt/slides/slide4.xml><?xml version="1.0" encoding="utf-8"?>
+<p:sld xmlns:a="http://schemas.openxmlformats.org/drawingml/2006/main" xmlns:r="http://schemas.openxmlformats.org/officeDocument/2006/relationships" xmlns:p="http://schemas.openxmlformats.org/presentationml/2006/main">
+  <p:cSld>
+    <p:spTree>
+      <p:nvGrpSpPr>
+        <p:cNvPr id="1" name=""/>
+        <p:cNvGrpSpPr/>
+        <p:nvPr/>
+      </p:nvGrpSpPr>
+      <p:grpSpPr>
+        <a:xfrm>
+          <a:off x="0" y="0"/>
+          <a:ext cx="0" cy="0"/>
+          <a:chOff x="0" y="0"/>
+          <a:chExt cx="0" cy="0"/>
+        </a:xfrm>
+      </p:grpSpPr>
+      <p:sp>
+        <p:nvSpPr>
+          <p:cNvPr id="2" name="Title 1"/>
+          <p:cNvSpPr>
+            <a:spLocks noGrp="1"/>
+          </p:cNvSpPr>
+          <p:nvPr>
+            <p:ph type="title"/>
+          </p:nvPr>
+        </p:nvSpPr>
+        <p:spPr/>
+        <p:txBody>
+          <a:bodyPr/>
+          <a:lstStyle/>
+          <a:p>
+            <a:r>
+              <a:rPr lang="en-US" dirty="0" smtClean="0"/>
+              <a:t>Technology used</a:t>
+            </a:r>
+            <a:endParaRPr lang="en-US" dirty="0"/>
+          </a:p>
+        </p:txBody>
+      </p:sp>
+      <p:sp>
+        <p:nvSpPr>
+          <p:cNvPr id="3" name="Content Placeholder 2"/>
+          <p:cNvSpPr>
+            <a:spLocks noGrp="1"/>
+          </p:cNvSpPr>
+          <p:nvPr>
+            <p:ph sz="half" idx="1"/>
+          </p:nvPr>
+        </p:nvSpPr>
+        <p:spPr/>
+        <p:txBody>
+          <a:bodyPr/>
+          <a:lstStyle/>
+          <a:p>
+            <a:r>
+              <a:rPr lang="en-US" dirty="0" smtClean="0"/>
+              <a:t>Components USED!</a:t>
+            </a:r>
+            <a:endParaRPr lang="en-US" dirty="0"/>
+          </a:p>
+        </p:txBody>
+      </p:sp>
+      <p:sp>
+        <p:nvSpPr>
+          <p:cNvPr id="4" name="Content Placeholder 3"/>
+          <p:cNvSpPr>
+            <a:spLocks noGrp="1"/>
+          </p:cNvSpPr>
+          <p:nvPr>
+            <p:ph sz="half" idx="2"/>
+          </p:nvPr>
+        </p:nvSpPr>
+        <p:spPr/>
+        <p:txBody>
+          <a:bodyPr/>
+          <a:lstStyle/>
+          <a:p>
+            <a:endParaRPr lang="en-US"/>
+          </a:p>
+        </p:txBody>
+      </p:sp>
+    </p:spTree>
+    <p:extLst>
+      <p:ext uri="{BB962C8B-B14F-4D97-AF65-F5344CB8AC3E}">
+        <p14:creationId xmlns:p14="http://schemas.microsoft.com/office/powerpoint/2010/main" val="1194604413"/>
+      </p:ext>
+    </p:extLst>
+  </p:cSld>
+  <p:clrMapOvr>
+    <a:masterClrMapping/>
+  </p:clrMapOvr>
+  <p:timing>
+    <p:tnLst>
+      <p:par>
+        <p:cTn id="1" dur="indefinite" restart="never" nodeType="tmRoot"/>
+      </p:par>
+    </p:tnLst>
+  </p:timing>
 </p:sld>
 </file>
 
@@ -5960,7 +5941,7 @@
           <a:p>
             <a:r>
               <a:rPr lang="en-US" dirty="0" smtClean="0"/>
-              <a:t>Technology used</a:t>
+              <a:t>Task description</a:t>
             </a:r>
             <a:endParaRPr lang="en-US" dirty="0"/>
           </a:p>
@@ -5976,48 +5957,102 @@
             <p:ph sz="half" idx="1"/>
           </p:nvPr>
         </p:nvSpPr>
-        <p:spPr/>
+        <p:spPr>
+          <a:xfrm>
+            <a:off x="857224" y="2571744"/>
+            <a:ext cx="4938912" cy="3554419"/>
+          </a:xfrm>
+        </p:spPr>
         <p:txBody>
           <a:bodyPr/>
           <a:lstStyle/>
           <a:p>
             <a:r>
               <a:rPr lang="en-US" dirty="0" smtClean="0"/>
-              <a:t>Components USED!</a:t>
+              <a:t>Call received every 50 min</a:t>
             </a:r>
+          </a:p>
+          <a:p>
+            <a:endParaRPr lang="en-US" dirty="0"/>
+          </a:p>
+          <a:p>
+            <a:r>
+              <a:rPr lang="en-US" dirty="0" smtClean="0"/>
+              <a:t>Normal patients and life-threatening patients</a:t>
+            </a:r>
+          </a:p>
+          <a:p>
+            <a:endParaRPr lang="en-US" dirty="0" smtClean="0"/>
+          </a:p>
+          <a:p>
+            <a:r>
+              <a:rPr lang="en-US" dirty="0" smtClean="0"/>
+              <a:t>Calls are collected in queue</a:t>
+            </a:r>
+          </a:p>
+          <a:p>
+            <a:endParaRPr lang="en-US" dirty="0" smtClean="0"/>
+          </a:p>
+          <a:p>
+            <a:r>
+              <a:rPr lang="en-US" dirty="0" smtClean="0"/>
+              <a:t>Doctor receives the address of the patient and treats him</a:t>
+            </a:r>
+          </a:p>
+          <a:p>
+            <a:endParaRPr lang="en-US" dirty="0" smtClean="0"/>
+          </a:p>
+          <a:p>
             <a:endParaRPr lang="en-US" dirty="0"/>
           </a:p>
         </p:txBody>
       </p:sp>
-      <p:sp>
-        <p:nvSpPr>
-          <p:cNvPr id="4" name="Content Placeholder 3"/>
-          <p:cNvSpPr>
-            <a:spLocks noGrp="1"/>
-          </p:cNvSpPr>
+      <p:pic>
+        <p:nvPicPr>
+          <p:cNvPr id="5" name="Content Placeholder 4"/>
+          <p:cNvPicPr>
+            <a:picLocks noGrp="1" noChangeAspect="1"/>
+          </p:cNvPicPr>
           <p:nvPr>
             <p:ph sz="half" idx="2"/>
           </p:nvPr>
-        </p:nvSpPr>
-        <p:spPr/>
-        <p:txBody>
-          <a:bodyPr/>
-          <a:lstStyle/>
-          <a:p>
-            <a:endParaRPr lang="en-US"/>
-          </a:p>
-        </p:txBody>
-      </p:sp>
+        </p:nvPicPr>
+        <p:blipFill>
+          <a:blip r:embed="rId2">
+            <a:extLst>
+              <a:ext uri="{28A0092B-C50C-407E-A947-70E740481C1C}">
+                <a14:useLocalDpi xmlns:a14="http://schemas.microsoft.com/office/drawing/2010/main" val="0"/>
+              </a:ext>
+            </a:extLst>
+          </a:blip>
+          <a:stretch>
+            <a:fillRect/>
+          </a:stretch>
+        </p:blipFill>
+        <p:spPr>
+          <a:xfrm>
+            <a:off x="5220072" y="2852936"/>
+            <a:ext cx="3500437" cy="2466500"/>
+          </a:xfrm>
+        </p:spPr>
+      </p:pic>
     </p:spTree>
     <p:extLst>
       <p:ext uri="{BB962C8B-B14F-4D97-AF65-F5344CB8AC3E}">
-        <p14:creationId xmlns:p14="http://schemas.microsoft.com/office/powerpoint/2010/main" val="1194604413"/>
+        <p14:creationId xmlns:p14="http://schemas.microsoft.com/office/powerpoint/2010/main" val="123454456"/>
       </p:ext>
     </p:extLst>
   </p:cSld>
   <p:clrMapOvr>
     <a:masterClrMapping/>
   </p:clrMapOvr>
+  <p:timing>
+    <p:tnLst>
+      <p:par>
+        <p:cTn id="1" dur="indefinite" restart="never" nodeType="tmRoot"/>
+      </p:par>
+    </p:tnLst>
+  </p:timing>
 </p:sld>
 </file>
 
@@ -6090,6 +6125,13 @@
   <p:clrMapOvr>
     <a:masterClrMapping/>
   </p:clrMapOvr>
+  <p:timing>
+    <p:tnLst>
+      <p:par>
+        <p:cTn id="1" dur="indefinite" restart="never" nodeType="tmRoot"/>
+      </p:par>
+    </p:tnLst>
+  </p:timing>
 </p:sld>
 </file>
 
@@ -6158,6 +6200,13 @@
   <p:clrMapOvr>
     <a:masterClrMapping/>
   </p:clrMapOvr>
+  <p:timing>
+    <p:tnLst>
+      <p:par>
+        <p:cTn id="1" dur="indefinite" restart="never" nodeType="tmRoot"/>
+      </p:par>
+    </p:tnLst>
+  </p:timing>
 </p:sld>
 </file>
 
@@ -6230,6 +6279,13 @@
   <p:clrMapOvr>
     <a:masterClrMapping/>
   </p:clrMapOvr>
+  <p:timing>
+    <p:tnLst>
+      <p:par>
+        <p:cTn id="1" dur="indefinite" restart="never" nodeType="tmRoot"/>
+      </p:par>
+    </p:tnLst>
+  </p:timing>
 </p:sld>
 </file>
 
